--- a/doc/開発の流れ for ビギナー .pptx
+++ b/doc/開発の流れ for ビギナー .pptx
@@ -5,13 +5,16 @@
     <p:sldMasterId id="2147483660" r:id="rId1"/>
   </p:sldMasterIdLst>
   <p:notesMasterIdLst>
-    <p:notesMasterId r:id="rId6"/>
+    <p:notesMasterId r:id="rId9"/>
   </p:notesMasterIdLst>
   <p:sldIdLst>
     <p:sldId id="256" r:id="rId2"/>
     <p:sldId id="289" r:id="rId3"/>
     <p:sldId id="291" r:id="rId4"/>
-    <p:sldId id="268" r:id="rId5"/>
+    <p:sldId id="292" r:id="rId5"/>
+    <p:sldId id="293" r:id="rId6"/>
+    <p:sldId id="294" r:id="rId7"/>
+    <p:sldId id="268" r:id="rId8"/>
   </p:sldIdLst>
   <p:sldSz cx="9144000" cy="6858000" type="screen4x3"/>
   <p:notesSz cx="6858000" cy="9144000"/>
@@ -110,6 +113,22 @@
       </a:defRPr>
     </a:lvl9pPr>
   </p:defaultTextStyle>
+  <p:extLst>
+    <p:ext uri="{EFAFB233-063F-42B5-8137-9DF3F51BA10A}">
+      <p15:sldGuideLst xmlns:p15="http://schemas.microsoft.com/office/powerpoint/2012/main">
+        <p15:guide id="1" orient="horz" pos="2160">
+          <p15:clr>
+            <a:srgbClr val="A4A3A4"/>
+          </p15:clr>
+        </p15:guide>
+        <p15:guide id="2" pos="2880">
+          <p15:clr>
+            <a:srgbClr val="A4A3A4"/>
+          </p15:clr>
+        </p15:guide>
+      </p15:sldGuideLst>
+    </p:ext>
+  </p:extLst>
 </p:presentation>
 </file>
 
@@ -5958,7 +5977,7 @@
           <a:p>
             <a:fld id="{E89E685A-6CB9-44D5-A35F-2F6E4FCD6321}" type="datetimeFigureOut">
               <a:rPr kumimoji="1" lang="ja-JP" altLang="en-US" smtClean="0"/>
-              <a:t>2013/3/24</a:t>
+              <a:t>2017/3/5</a:t>
             </a:fld>
             <a:endParaRPr kumimoji="1" lang="ja-JP" altLang="en-US"/>
           </a:p>
@@ -8154,7 +8173,7 @@
           <a:p>
             <a:fld id="{E90ED720-0104-4369-84BC-D37694168613}" type="datetimeFigureOut">
               <a:rPr kumimoji="1" lang="ja-JP" altLang="en-US" smtClean="0"/>
-              <a:t>2013/3/24</a:t>
+              <a:t>2017/3/5</a:t>
             </a:fld>
             <a:endParaRPr kumimoji="1" lang="ja-JP" altLang="en-US"/>
           </a:p>
@@ -8367,7 +8386,7 @@
           <a:p>
             <a:fld id="{E90ED720-0104-4369-84BC-D37694168613}" type="datetimeFigureOut">
               <a:rPr kumimoji="1" lang="ja-JP" altLang="en-US" smtClean="0"/>
-              <a:t>2013/3/24</a:t>
+              <a:t>2017/3/5</a:t>
             </a:fld>
             <a:endParaRPr kumimoji="1" lang="ja-JP" altLang="en-US"/>
           </a:p>
@@ -8518,7 +8537,7 @@
           <a:p>
             <a:fld id="{E90ED720-0104-4369-84BC-D37694168613}" type="datetimeFigureOut">
               <a:rPr kumimoji="1" lang="ja-JP" altLang="en-US" smtClean="0"/>
-              <a:t>2013/3/24</a:t>
+              <a:t>2017/3/5</a:t>
             </a:fld>
             <a:endParaRPr kumimoji="1" lang="ja-JP" altLang="en-US"/>
           </a:p>
@@ -10408,7 +10427,7 @@
           <a:p>
             <a:fld id="{E90ED720-0104-4369-84BC-D37694168613}" type="datetimeFigureOut">
               <a:rPr kumimoji="1" lang="ja-JP" altLang="en-US" smtClean="0"/>
-              <a:t>2013/3/24</a:t>
+              <a:t>2017/3/5</a:t>
             </a:fld>
             <a:endParaRPr kumimoji="1" lang="ja-JP" altLang="en-US"/>
           </a:p>
@@ -12278,7 +12297,7 @@
           <a:p>
             <a:fld id="{E90ED720-0104-4369-84BC-D37694168613}" type="datetimeFigureOut">
               <a:rPr kumimoji="1" lang="ja-JP" altLang="en-US" smtClean="0"/>
-              <a:t>2013/3/24</a:t>
+              <a:t>2017/3/5</a:t>
             </a:fld>
             <a:endParaRPr kumimoji="1" lang="ja-JP" altLang="en-US"/>
           </a:p>
@@ -12391,7 +12410,7 @@
           <a:p>
             <a:fld id="{E90ED720-0104-4369-84BC-D37694168613}" type="datetimeFigureOut">
               <a:rPr kumimoji="1" lang="ja-JP" altLang="en-US" smtClean="0"/>
-              <a:t>2013/3/24</a:t>
+              <a:t>2017/3/5</a:t>
             </a:fld>
             <a:endParaRPr kumimoji="1" lang="ja-JP" altLang="en-US"/>
           </a:p>
@@ -13060,7 +13079,7 @@
           <a:p>
             <a:fld id="{E90ED720-0104-4369-84BC-D37694168613}" type="datetimeFigureOut">
               <a:rPr kumimoji="1" lang="ja-JP" altLang="en-US" smtClean="0"/>
-              <a:t>2013/3/24</a:t>
+              <a:t>2017/3/5</a:t>
             </a:fld>
             <a:endParaRPr kumimoji="1" lang="ja-JP" altLang="en-US"/>
           </a:p>
@@ -13173,7 +13192,7 @@
           <a:p>
             <a:fld id="{E90ED720-0104-4369-84BC-D37694168613}" type="datetimeFigureOut">
               <a:rPr kumimoji="1" lang="ja-JP" altLang="en-US" smtClean="0"/>
-              <a:t>2013/3/24</a:t>
+              <a:t>2017/3/5</a:t>
             </a:fld>
             <a:endParaRPr kumimoji="1" lang="ja-JP" altLang="en-US"/>
           </a:p>
@@ -14884,7 +14903,7 @@
           <a:p>
             <a:fld id="{E90ED720-0104-4369-84BC-D37694168613}" type="datetimeFigureOut">
               <a:rPr kumimoji="1" lang="ja-JP" altLang="en-US" smtClean="0"/>
-              <a:t>2013/3/24</a:t>
+              <a:t>2017/3/5</a:t>
             </a:fld>
             <a:endParaRPr kumimoji="1" lang="ja-JP" altLang="en-US"/>
           </a:p>
@@ -15035,7 +15054,7 @@
           <a:p>
             <a:fld id="{E90ED720-0104-4369-84BC-D37694168613}" type="datetimeFigureOut">
               <a:rPr kumimoji="1" lang="ja-JP" altLang="en-US" smtClean="0"/>
-              <a:t>2013/3/24</a:t>
+              <a:t>2017/3/5</a:t>
             </a:fld>
             <a:endParaRPr kumimoji="1" lang="ja-JP" altLang="en-US"/>
           </a:p>
@@ -18682,7 +18701,7 @@
           <a:p>
             <a:fld id="{E90ED720-0104-4369-84BC-D37694168613}" type="datetimeFigureOut">
               <a:rPr kumimoji="1" lang="ja-JP" altLang="en-US" smtClean="0"/>
-              <a:t>2013/3/24</a:t>
+              <a:t>2017/3/5</a:t>
             </a:fld>
             <a:endParaRPr kumimoji="1" lang="ja-JP" altLang="en-US"/>
           </a:p>
@@ -20541,7 +20560,7 @@
           <a:p>
             <a:fld id="{E90ED720-0104-4369-84BC-D37694168613}" type="datetimeFigureOut">
               <a:rPr kumimoji="1" lang="ja-JP" altLang="en-US" smtClean="0"/>
-              <a:t>2013/3/24</a:t>
+              <a:t>2017/3/5</a:t>
             </a:fld>
             <a:endParaRPr kumimoji="1" lang="ja-JP" altLang="en-US"/>
           </a:p>
@@ -21156,7 +21175,7 @@
             </a:r>
             <a:r>
               <a:rPr kumimoji="1" lang="en-US" altLang="ja-JP" dirty="0" smtClean="0"/>
-              <a:t>2013/3/24</a:t>
+              <a:t>2017/03/05</a:t>
             </a:r>
             <a:endParaRPr kumimoji="1" lang="en-US" altLang="ja-JP" dirty="0" smtClean="0"/>
           </a:p>
@@ -21587,6 +21606,660 @@
 </file>
 
 <file path=ppt/slides/slide4.xml><?xml version="1.0" encoding="utf-8"?>
+<p:sld xmlns:a="http://schemas.openxmlformats.org/drawingml/2006/main" xmlns:r="http://schemas.openxmlformats.org/officeDocument/2006/relationships" xmlns:p="http://schemas.openxmlformats.org/presentationml/2006/main">
+  <p:cSld>
+    <p:spTree>
+      <p:nvGrpSpPr>
+        <p:cNvPr id="1" name=""/>
+        <p:cNvGrpSpPr/>
+        <p:nvPr/>
+      </p:nvGrpSpPr>
+      <p:grpSpPr>
+        <a:xfrm>
+          <a:off x="0" y="0"/>
+          <a:ext cx="0" cy="0"/>
+          <a:chOff x="0" y="0"/>
+          <a:chExt cx="0" cy="0"/>
+        </a:xfrm>
+      </p:grpSpPr>
+      <p:sp>
+        <p:nvSpPr>
+          <p:cNvPr id="2" name="タイトル 1"/>
+          <p:cNvSpPr>
+            <a:spLocks noGrp="1"/>
+          </p:cNvSpPr>
+          <p:nvPr>
+            <p:ph type="title"/>
+          </p:nvPr>
+        </p:nvSpPr>
+        <p:spPr/>
+        <p:txBody>
+          <a:bodyPr/>
+          <a:lstStyle/>
+          <a:p>
+            <a:r>
+              <a:rPr kumimoji="1" lang="ja-JP" altLang="en-US" dirty="0" smtClean="0"/>
+              <a:t>学習データの作り方</a:t>
+            </a:r>
+            <a:endParaRPr kumimoji="1" lang="ja-JP" altLang="en-US" dirty="0"/>
+          </a:p>
+        </p:txBody>
+      </p:sp>
+      <p:sp>
+        <p:nvSpPr>
+          <p:cNvPr id="3" name="テキスト プレースホルダー 2"/>
+          <p:cNvSpPr>
+            <a:spLocks noGrp="1"/>
+          </p:cNvSpPr>
+          <p:nvPr>
+            <p:ph type="body" idx="1"/>
+          </p:nvPr>
+        </p:nvSpPr>
+        <p:spPr/>
+        <p:txBody>
+          <a:bodyPr/>
+          <a:lstStyle/>
+          <a:p>
+            <a:endParaRPr kumimoji="1" lang="ja-JP" altLang="en-US"/>
+          </a:p>
+        </p:txBody>
+      </p:sp>
+      <p:sp>
+        <p:nvSpPr>
+          <p:cNvPr id="4" name="スライド番号プレースホルダー 3"/>
+          <p:cNvSpPr>
+            <a:spLocks noGrp="1"/>
+          </p:cNvSpPr>
+          <p:nvPr>
+            <p:ph type="sldNum" sz="quarter" idx="12"/>
+          </p:nvPr>
+        </p:nvSpPr>
+        <p:spPr/>
+        <p:txBody>
+          <a:bodyPr/>
+          <a:lstStyle/>
+          <a:p>
+            <a:fld id="{D2D8002D-B5B0-4BAC-B1F6-782DDCCE6D9C}" type="slidenum">
+              <a:rPr kumimoji="1" lang="ja-JP" altLang="en-US" smtClean="0"/>
+              <a:t>4</a:t>
+            </a:fld>
+            <a:endParaRPr kumimoji="1" lang="ja-JP" altLang="en-US"/>
+          </a:p>
+        </p:txBody>
+      </p:sp>
+    </p:spTree>
+    <p:extLst>
+      <p:ext uri="{BB962C8B-B14F-4D97-AF65-F5344CB8AC3E}">
+        <p14:creationId xmlns:p14="http://schemas.microsoft.com/office/powerpoint/2010/main" val="2339476537"/>
+      </p:ext>
+    </p:extLst>
+  </p:cSld>
+  <p:clrMapOvr>
+    <a:masterClrMapping/>
+  </p:clrMapOvr>
+</p:sld>
+</file>
+
+<file path=ppt/slides/slide5.xml><?xml version="1.0" encoding="utf-8"?>
+<p:sld xmlns:a="http://schemas.openxmlformats.org/drawingml/2006/main" xmlns:r="http://schemas.openxmlformats.org/officeDocument/2006/relationships" xmlns:p="http://schemas.openxmlformats.org/presentationml/2006/main">
+  <p:cSld>
+    <p:spTree>
+      <p:nvGrpSpPr>
+        <p:cNvPr id="1" name=""/>
+        <p:cNvGrpSpPr/>
+        <p:nvPr/>
+      </p:nvGrpSpPr>
+      <p:grpSpPr>
+        <a:xfrm>
+          <a:off x="0" y="0"/>
+          <a:ext cx="0" cy="0"/>
+          <a:chOff x="0" y="0"/>
+          <a:chExt cx="0" cy="0"/>
+        </a:xfrm>
+      </p:grpSpPr>
+      <p:sp>
+        <p:nvSpPr>
+          <p:cNvPr id="2" name="コンテンツ プレースホルダー 1"/>
+          <p:cNvSpPr>
+            <a:spLocks noGrp="1"/>
+          </p:cNvSpPr>
+          <p:nvPr>
+            <p:ph idx="1"/>
+          </p:nvPr>
+        </p:nvSpPr>
+        <p:spPr>
+          <a:xfrm>
+            <a:off x="179512" y="1988840"/>
+            <a:ext cx="8784977" cy="4464496"/>
+          </a:xfrm>
+        </p:spPr>
+        <p:txBody>
+          <a:bodyPr>
+            <a:normAutofit lnSpcReduction="10000"/>
+          </a:bodyPr>
+          <a:lstStyle/>
+          <a:p>
+            <a:r>
+              <a:rPr kumimoji="1" lang="ja-JP" altLang="en-US" dirty="0" smtClean="0"/>
+              <a:t>ユーザは複数の鳥の識別</a:t>
+            </a:r>
+            <a:r>
+              <a:rPr lang="ja-JP" altLang="en-US" dirty="0" smtClean="0"/>
+              <a:t>をやりたいとする</a:t>
+            </a:r>
+            <a:endParaRPr lang="en-US" altLang="ja-JP" dirty="0" smtClean="0"/>
+          </a:p>
+          <a:p>
+            <a:r>
+              <a:rPr kumimoji="1" lang="ja-JP" altLang="en-US" dirty="0" smtClean="0"/>
+              <a:t>普通なら対象とする複数の鳥種の教師データを一度に作る</a:t>
+            </a:r>
+            <a:endParaRPr kumimoji="1" lang="en-US" altLang="ja-JP" dirty="0" smtClean="0"/>
+          </a:p>
+          <a:p>
+            <a:r>
+              <a:rPr lang="ja-JP" altLang="en-US" dirty="0"/>
+              <a:t>ただし</a:t>
+            </a:r>
+            <a:r>
+              <a:rPr lang="ja-JP" altLang="en-US" dirty="0" smtClean="0"/>
+              <a:t>、複数種の教師データを学習・識別させると雑音の処理や未知データに関する処理が曖昧となり、また検証が不可能（やり辛い）となる</a:t>
+            </a:r>
+            <a:endParaRPr lang="en-US" altLang="ja-JP" dirty="0" smtClean="0"/>
+          </a:p>
+          <a:p>
+            <a:pPr lvl="1"/>
+            <a:r>
+              <a:rPr lang="ja-JP" altLang="en-US" dirty="0" smtClean="0"/>
+              <a:t>未分類の鳥を将来的に識別対象とするケースを考えると、安易に雑音と分類できない</a:t>
+            </a:r>
+            <a:endParaRPr lang="en-US" altLang="ja-JP" dirty="0" smtClean="0"/>
+          </a:p>
+          <a:p>
+            <a:r>
+              <a:rPr kumimoji="1" lang="ja-JP" altLang="en-US" dirty="0"/>
+              <a:t>従って</a:t>
+            </a:r>
+            <a:r>
+              <a:rPr kumimoji="1" lang="ja-JP" altLang="en-US" dirty="0" smtClean="0"/>
+              <a:t>、複数種識別がゴールでも初めは</a:t>
+            </a:r>
+            <a:r>
+              <a:rPr kumimoji="1" lang="en-US" altLang="ja-JP" dirty="0" smtClean="0"/>
+              <a:t>2</a:t>
+            </a:r>
+            <a:r>
+              <a:rPr kumimoji="1" lang="ja-JP" altLang="en-US" dirty="0" smtClean="0"/>
+              <a:t>分類システムを目指す</a:t>
+            </a:r>
+            <a:endParaRPr kumimoji="1" lang="en-US" altLang="ja-JP" dirty="0" smtClean="0"/>
+          </a:p>
+          <a:p>
+            <a:pPr lvl="1"/>
+            <a:r>
+              <a:rPr kumimoji="1" lang="ja-JP" altLang="en-US" dirty="0" smtClean="0"/>
+              <a:t>例えば、キビタキとそれ以外に分ける</a:t>
+            </a:r>
+            <a:endParaRPr kumimoji="1" lang="en-US" altLang="ja-JP" dirty="0" smtClean="0"/>
+          </a:p>
+          <a:p>
+            <a:r>
+              <a:rPr lang="en-US" altLang="ja-JP" dirty="0"/>
+              <a:t>2</a:t>
+            </a:r>
+            <a:r>
+              <a:rPr lang="ja-JP" altLang="en-US" dirty="0"/>
+              <a:t>分類用</a:t>
+            </a:r>
+            <a:r>
+              <a:rPr lang="ja-JP" altLang="en-US" dirty="0" smtClean="0"/>
+              <a:t>の識別器を構成できるようになったら、これを組み合わせて多種分類システムを構築すればよい</a:t>
+            </a:r>
+            <a:endParaRPr lang="en-US" altLang="ja-JP" dirty="0" smtClean="0"/>
+          </a:p>
+          <a:p>
+            <a:pPr lvl="1"/>
+            <a:r>
+              <a:rPr kumimoji="1" lang="ja-JP" altLang="en-US" dirty="0" smtClean="0"/>
+              <a:t>鳥の種類別に人の役割</a:t>
+            </a:r>
+            <a:r>
+              <a:rPr kumimoji="1" lang="ja-JP" altLang="en-US" dirty="0"/>
+              <a:t>分</a:t>
+            </a:r>
+            <a:r>
+              <a:rPr kumimoji="1" lang="ja-JP" altLang="en-US" dirty="0" smtClean="0"/>
+              <a:t>担が可能なのでより効率的</a:t>
+            </a:r>
+            <a:endParaRPr kumimoji="1" lang="en-US" altLang="ja-JP" dirty="0" smtClean="0"/>
+          </a:p>
+        </p:txBody>
+      </p:sp>
+      <p:sp>
+        <p:nvSpPr>
+          <p:cNvPr id="3" name="タイトル 2"/>
+          <p:cNvSpPr>
+            <a:spLocks noGrp="1"/>
+          </p:cNvSpPr>
+          <p:nvPr>
+            <p:ph type="title"/>
+          </p:nvPr>
+        </p:nvSpPr>
+        <p:spPr/>
+        <p:txBody>
+          <a:bodyPr>
+            <a:normAutofit fontScale="90000"/>
+          </a:bodyPr>
+          <a:lstStyle/>
+          <a:p>
+            <a:r>
+              <a:rPr kumimoji="1" lang="ja-JP" altLang="en-US" dirty="0" smtClean="0"/>
+              <a:t>基本的には</a:t>
+            </a:r>
+            <a:r>
+              <a:rPr kumimoji="1" lang="en-US" altLang="ja-JP" dirty="0" smtClean="0"/>
+              <a:t>2</a:t>
+            </a:r>
+            <a:r>
+              <a:rPr kumimoji="1" lang="ja-JP" altLang="en-US" dirty="0" smtClean="0"/>
+              <a:t>分類システムの</a:t>
+            </a:r>
+            <a:r>
+              <a:rPr kumimoji="1" lang="en-US" altLang="ja-JP" dirty="0" smtClean="0"/>
+              <a:t/>
+            </a:r>
+            <a:br>
+              <a:rPr kumimoji="1" lang="en-US" altLang="ja-JP" dirty="0" smtClean="0"/>
+            </a:br>
+            <a:r>
+              <a:rPr kumimoji="1" lang="ja-JP" altLang="en-US" dirty="0" smtClean="0"/>
+              <a:t>構築を目指せばよい</a:t>
+            </a:r>
+            <a:endParaRPr kumimoji="1" lang="ja-JP" altLang="en-US" dirty="0"/>
+          </a:p>
+        </p:txBody>
+      </p:sp>
+      <p:sp>
+        <p:nvSpPr>
+          <p:cNvPr id="4" name="スライド番号プレースホルダー 3"/>
+          <p:cNvSpPr>
+            <a:spLocks noGrp="1"/>
+          </p:cNvSpPr>
+          <p:nvPr>
+            <p:ph type="sldNum" sz="quarter" idx="12"/>
+          </p:nvPr>
+        </p:nvSpPr>
+        <p:spPr/>
+        <p:txBody>
+          <a:bodyPr/>
+          <a:lstStyle/>
+          <a:p>
+            <a:fld id="{D2D8002D-B5B0-4BAC-B1F6-782DDCCE6D9C}" type="slidenum">
+              <a:rPr kumimoji="1" lang="ja-JP" altLang="en-US" smtClean="0"/>
+              <a:t>5</a:t>
+            </a:fld>
+            <a:endParaRPr kumimoji="1" lang="ja-JP" altLang="en-US"/>
+          </a:p>
+        </p:txBody>
+      </p:sp>
+    </p:spTree>
+    <p:extLst>
+      <p:ext uri="{BB962C8B-B14F-4D97-AF65-F5344CB8AC3E}">
+        <p14:creationId xmlns:p14="http://schemas.microsoft.com/office/powerpoint/2010/main" val="1678152914"/>
+      </p:ext>
+    </p:extLst>
+  </p:cSld>
+  <p:clrMapOvr>
+    <a:masterClrMapping/>
+  </p:clrMapOvr>
+</p:sld>
+</file>
+
+<file path=ppt/slides/slide6.xml><?xml version="1.0" encoding="utf-8"?>
+<p:sld xmlns:a="http://schemas.openxmlformats.org/drawingml/2006/main" xmlns:r="http://schemas.openxmlformats.org/officeDocument/2006/relationships" xmlns:p="http://schemas.openxmlformats.org/presentationml/2006/main">
+  <p:cSld>
+    <p:spTree>
+      <p:nvGrpSpPr>
+        <p:cNvPr id="1" name=""/>
+        <p:cNvGrpSpPr/>
+        <p:nvPr/>
+      </p:nvGrpSpPr>
+      <p:grpSpPr>
+        <a:xfrm>
+          <a:off x="0" y="0"/>
+          <a:ext cx="0" cy="0"/>
+          <a:chOff x="0" y="0"/>
+          <a:chExt cx="0" cy="0"/>
+        </a:xfrm>
+      </p:grpSpPr>
+      <p:sp>
+        <p:nvSpPr>
+          <p:cNvPr id="3" name="タイトル 2"/>
+          <p:cNvSpPr>
+            <a:spLocks noGrp="1"/>
+          </p:cNvSpPr>
+          <p:nvPr>
+            <p:ph type="title"/>
+          </p:nvPr>
+        </p:nvSpPr>
+        <p:spPr/>
+        <p:txBody>
+          <a:bodyPr>
+            <a:normAutofit/>
+          </a:bodyPr>
+          <a:lstStyle/>
+          <a:p>
+            <a:r>
+              <a:rPr kumimoji="1" lang="ja-JP" altLang="en-US" dirty="0" smtClean="0"/>
+              <a:t>音源を分けて学習データを作る</a:t>
+            </a:r>
+            <a:endParaRPr kumimoji="1" lang="ja-JP" altLang="en-US" dirty="0"/>
+          </a:p>
+        </p:txBody>
+      </p:sp>
+      <p:sp>
+        <p:nvSpPr>
+          <p:cNvPr id="4" name="正方形/長方形 3"/>
+          <p:cNvSpPr/>
+          <p:nvPr/>
+        </p:nvSpPr>
+        <p:spPr>
+          <a:xfrm>
+            <a:off x="655785" y="2672916"/>
+            <a:ext cx="2267744" cy="936104"/>
+          </a:xfrm>
+          <a:prstGeom prst="rect">
+            <a:avLst/>
+          </a:prstGeom>
+        </p:spPr>
+        <p:style>
+          <a:lnRef idx="2">
+            <a:schemeClr val="accent2">
+              <a:shade val="50000"/>
+            </a:schemeClr>
+          </a:lnRef>
+          <a:fillRef idx="1">
+            <a:schemeClr val="accent2"/>
+          </a:fillRef>
+          <a:effectRef idx="0">
+            <a:schemeClr val="accent2"/>
+          </a:effectRef>
+          <a:fontRef idx="minor">
+            <a:schemeClr val="lt1"/>
+          </a:fontRef>
+        </p:style>
+        <p:txBody>
+          <a:bodyPr rtlCol="0" anchor="ctr"/>
+          <a:lstStyle/>
+          <a:p>
+            <a:pPr algn="ctr"/>
+            <a:r>
+              <a:rPr kumimoji="1" lang="ja-JP" altLang="en-US" dirty="0" smtClean="0"/>
+              <a:t>再生時間が</a:t>
+            </a:r>
+            <a:r>
+              <a:rPr kumimoji="1" lang="en-US" altLang="ja-JP" dirty="0" smtClean="0"/>
+              <a:t>2</a:t>
+            </a:r>
+            <a:r>
+              <a:rPr kumimoji="1" lang="ja-JP" altLang="en-US" dirty="0" smtClean="0"/>
+              <a:t>分以上の</a:t>
+            </a:r>
+            <a:r>
+              <a:rPr kumimoji="1" lang="en-US" altLang="ja-JP" dirty="0" smtClean="0"/>
+              <a:t>WAVE</a:t>
+            </a:r>
+            <a:r>
+              <a:rPr kumimoji="1" lang="ja-JP" altLang="en-US" dirty="0" smtClean="0"/>
+              <a:t>音源</a:t>
+            </a:r>
+            <a:endParaRPr kumimoji="1" lang="ja-JP" altLang="en-US" dirty="0"/>
+          </a:p>
+        </p:txBody>
+      </p:sp>
+      <p:sp>
+        <p:nvSpPr>
+          <p:cNvPr id="5" name="左中かっこ 4"/>
+          <p:cNvSpPr/>
+          <p:nvPr/>
+        </p:nvSpPr>
+        <p:spPr>
+          <a:xfrm>
+            <a:off x="3003250" y="2735922"/>
+            <a:ext cx="576064" cy="810090"/>
+          </a:xfrm>
+          <a:prstGeom prst="leftBrace">
+            <a:avLst/>
+          </a:prstGeom>
+          <a:ln>
+            <a:solidFill>
+              <a:schemeClr val="tx1"/>
+            </a:solidFill>
+          </a:ln>
+        </p:spPr>
+        <p:style>
+          <a:lnRef idx="1">
+            <a:schemeClr val="accent1"/>
+          </a:lnRef>
+          <a:fillRef idx="0">
+            <a:schemeClr val="accent1"/>
+          </a:fillRef>
+          <a:effectRef idx="0">
+            <a:schemeClr val="accent1"/>
+          </a:effectRef>
+          <a:fontRef idx="minor">
+            <a:schemeClr val="tx1"/>
+          </a:fontRef>
+        </p:style>
+        <p:txBody>
+          <a:bodyPr rtlCol="0" anchor="ctr"/>
+          <a:lstStyle/>
+          <a:p>
+            <a:pPr algn="ctr"/>
+            <a:endParaRPr kumimoji="1" lang="ja-JP" altLang="en-US"/>
+          </a:p>
+        </p:txBody>
+      </p:sp>
+      <p:sp>
+        <p:nvSpPr>
+          <p:cNvPr id="6" name="テキスト ボックス 5"/>
+          <p:cNvSpPr txBox="1"/>
+          <p:nvPr/>
+        </p:nvSpPr>
+        <p:spPr>
+          <a:xfrm>
+            <a:off x="3579314" y="2817802"/>
+            <a:ext cx="4881118" cy="646331"/>
+          </a:xfrm>
+          <a:prstGeom prst="rect">
+            <a:avLst/>
+          </a:prstGeom>
+          <a:noFill/>
+        </p:spPr>
+        <p:txBody>
+          <a:bodyPr wrap="square" rtlCol="0">
+            <a:spAutoFit/>
+          </a:bodyPr>
+          <a:lstStyle/>
+          <a:p>
+            <a:pPr marL="342900" indent="-342900">
+              <a:buAutoNum type="arabicParenR"/>
+            </a:pPr>
+            <a:r>
+              <a:rPr kumimoji="1" lang="ja-JP" altLang="en-US" dirty="0" smtClean="0"/>
+              <a:t>識別対象の鳥の鳴き声が入っている音源</a:t>
+            </a:r>
+            <a:endParaRPr kumimoji="1" lang="en-US" altLang="ja-JP" dirty="0" smtClean="0"/>
+          </a:p>
+          <a:p>
+            <a:pPr marL="342900" indent="-342900">
+              <a:buAutoNum type="arabicParenR"/>
+            </a:pPr>
+            <a:r>
+              <a:rPr lang="ja-JP" altLang="en-US" dirty="0"/>
+              <a:t>完全</a:t>
+            </a:r>
+            <a:r>
+              <a:rPr lang="ja-JP" altLang="en-US" dirty="0" smtClean="0"/>
+              <a:t>に無関係の音源</a:t>
+            </a:r>
+            <a:endParaRPr kumimoji="1" lang="ja-JP" altLang="en-US" dirty="0"/>
+          </a:p>
+        </p:txBody>
+      </p:sp>
+      <p:sp>
+        <p:nvSpPr>
+          <p:cNvPr id="7" name="コンテンツ プレースホルダー 1"/>
+          <p:cNvSpPr>
+            <a:spLocks noGrp="1"/>
+          </p:cNvSpPr>
+          <p:nvPr>
+            <p:ph idx="1"/>
+          </p:nvPr>
+        </p:nvSpPr>
+        <p:spPr>
+          <a:xfrm>
+            <a:off x="107504" y="4005064"/>
+            <a:ext cx="8928991" cy="2376264"/>
+          </a:xfrm>
+        </p:spPr>
+        <p:txBody>
+          <a:bodyPr>
+            <a:normAutofit fontScale="92500"/>
+          </a:bodyPr>
+          <a:lstStyle/>
+          <a:p>
+            <a:r>
+              <a:rPr kumimoji="1" lang="en-US" altLang="ja-JP" dirty="0" smtClean="0"/>
+              <a:t>1)</a:t>
+            </a:r>
+            <a:r>
+              <a:rPr kumimoji="1" lang="ja-JP" altLang="en-US" dirty="0" smtClean="0"/>
+              <a:t>の音源については生成された特徴ベクトルを人力で分類する</a:t>
+            </a:r>
+            <a:endParaRPr kumimoji="1" lang="en-US" altLang="ja-JP" dirty="0" smtClean="0"/>
+          </a:p>
+          <a:p>
+            <a:pPr lvl="1"/>
+            <a:r>
+              <a:rPr lang="ja-JP" altLang="en-US" dirty="0"/>
+              <a:t>補助</a:t>
+            </a:r>
+            <a:r>
+              <a:rPr lang="ja-JP" altLang="en-US" dirty="0" smtClean="0"/>
+              <a:t>ツールなら作成済み</a:t>
+            </a:r>
+            <a:endParaRPr kumimoji="1" lang="en-US" altLang="ja-JP" dirty="0" smtClean="0"/>
+          </a:p>
+          <a:p>
+            <a:pPr lvl="1"/>
+            <a:r>
+              <a:rPr lang="ja-JP" altLang="en-US" dirty="0"/>
+              <a:t>対象の鳥で</a:t>
+            </a:r>
+            <a:r>
+              <a:rPr lang="ja-JP" altLang="en-US" dirty="0" smtClean="0"/>
+              <a:t>なければ雑音に分類する</a:t>
+            </a:r>
+            <a:endParaRPr lang="en-US" altLang="ja-JP" dirty="0" smtClean="0"/>
+          </a:p>
+          <a:p>
+            <a:r>
+              <a:rPr kumimoji="1" lang="en-US" altLang="ja-JP" dirty="0"/>
+              <a:t>2</a:t>
+            </a:r>
+            <a:r>
+              <a:rPr kumimoji="1" lang="en-US" altLang="ja-JP" dirty="0" smtClean="0"/>
+              <a:t>)</a:t>
+            </a:r>
+            <a:r>
+              <a:rPr kumimoji="1" lang="ja-JP" altLang="en-US" dirty="0" smtClean="0"/>
+              <a:t>の音源については、生成された特徴ベクトルを</a:t>
+            </a:r>
+            <a:r>
+              <a:rPr lang="ja-JP" altLang="en-US" dirty="0"/>
+              <a:t>全て</a:t>
+            </a:r>
+            <a:r>
+              <a:rPr kumimoji="1" lang="ja-JP" altLang="en-US" dirty="0" smtClean="0"/>
+              <a:t>雑音に分類する</a:t>
+            </a:r>
+            <a:endParaRPr kumimoji="1" lang="en-US" altLang="ja-JP" dirty="0" smtClean="0"/>
+          </a:p>
+          <a:p>
+            <a:r>
+              <a:rPr lang="ja-JP" altLang="en-US" dirty="0" smtClean="0"/>
+              <a:t>経験的には、雑音データは識別対象の</a:t>
+            </a:r>
+            <a:r>
+              <a:rPr lang="en-US" altLang="ja-JP" dirty="0" smtClean="0"/>
+              <a:t>10</a:t>
+            </a:r>
+            <a:r>
+              <a:rPr lang="ja-JP" altLang="en-US" dirty="0" smtClean="0"/>
+              <a:t>倍～</a:t>
+            </a:r>
+            <a:r>
+              <a:rPr lang="en-US" altLang="ja-JP" dirty="0" smtClean="0"/>
+              <a:t>20</a:t>
+            </a:r>
+            <a:r>
+              <a:rPr lang="ja-JP" altLang="en-US" dirty="0" smtClean="0"/>
+              <a:t>倍あれば十分</a:t>
+            </a:r>
+            <a:endParaRPr lang="en-US" altLang="ja-JP" dirty="0" smtClean="0"/>
+          </a:p>
+          <a:p>
+            <a:pPr lvl="1"/>
+            <a:r>
+              <a:rPr kumimoji="1" lang="ja-JP" altLang="en-US" dirty="0"/>
+              <a:t>ただし</a:t>
+            </a:r>
+            <a:r>
+              <a:rPr kumimoji="1" lang="ja-JP" altLang="en-US" dirty="0" smtClean="0"/>
+              <a:t>、音の種類（他の鳥・虫・風・車・ヘリ）にあまり偏りのないこと</a:t>
+            </a:r>
+            <a:endParaRPr kumimoji="1" lang="ja-JP" altLang="en-US" dirty="0"/>
+          </a:p>
+        </p:txBody>
+      </p:sp>
+      <p:sp>
+        <p:nvSpPr>
+          <p:cNvPr id="8" name="スライド番号プレースホルダー 7"/>
+          <p:cNvSpPr>
+            <a:spLocks noGrp="1"/>
+          </p:cNvSpPr>
+          <p:nvPr>
+            <p:ph type="sldNum" sz="quarter" idx="12"/>
+          </p:nvPr>
+        </p:nvSpPr>
+        <p:spPr/>
+        <p:txBody>
+          <a:bodyPr/>
+          <a:lstStyle/>
+          <a:p>
+            <a:fld id="{D2D8002D-B5B0-4BAC-B1F6-782DDCCE6D9C}" type="slidenum">
+              <a:rPr kumimoji="1" lang="ja-JP" altLang="en-US" smtClean="0"/>
+              <a:t>6</a:t>
+            </a:fld>
+            <a:endParaRPr kumimoji="1" lang="ja-JP" altLang="en-US"/>
+          </a:p>
+        </p:txBody>
+      </p:sp>
+    </p:spTree>
+    <p:extLst>
+      <p:ext uri="{BB962C8B-B14F-4D97-AF65-F5344CB8AC3E}">
+        <p14:creationId xmlns:p14="http://schemas.microsoft.com/office/powerpoint/2010/main" val="3618691675"/>
+      </p:ext>
+    </p:extLst>
+  </p:cSld>
+  <p:clrMapOvr>
+    <a:masterClrMapping/>
+  </p:clrMapOvr>
+</p:sld>
+</file>
+
+<file path=ppt/slides/slide7.xml><?xml version="1.0" encoding="utf-8"?>
 <p:sld xmlns:a="http://schemas.openxmlformats.org/drawingml/2006/main" xmlns:r="http://schemas.openxmlformats.org/officeDocument/2006/relationships" xmlns:p="http://schemas.openxmlformats.org/presentationml/2006/main">
   <p:cSld>
     <p:spTree>
